--- a/CSE2010 Advanced C programming/Reference Materials/17_Varying arguments, bitfields, enumeration, typedef.pptx
+++ b/CSE2010 Advanced C programming/Reference Materials/17_Varying arguments, bitfields, enumeration, typedef.pptx
@@ -135,6 +135,35 @@
 </p:presentation>
 </file>
 
+<file path=ppt/ink/ink1.xml><?xml version="1.0" encoding="utf-8"?>
+<inkml:ink xmlns:inkml="http://www.w3.org/2003/InkML">
+  <inkml:definitions>
+    <inkml:context xml:id="ctx0">
+      <inkml:inkSource xml:id="inkSrc0">
+        <inkml:traceFormat>
+          <inkml:channel name="X" type="integer" max="1920" units="cm"/>
+          <inkml:channel name="Y" type="integer" max="1080" units="cm"/>
+          <inkml:channel name="T" type="integer" max="2.14748E9" units="dev"/>
+        </inkml:traceFormat>
+        <inkml:channelProperties>
+          <inkml:channelProperty channel="X" name="resolution" value="62.13592" units="1/cm"/>
+          <inkml:channelProperty channel="Y" name="resolution" value="62.06897" units="1/cm"/>
+          <inkml:channelProperty channel="T" name="resolution" value="1" units="1/dev"/>
+        </inkml:channelProperties>
+      </inkml:inkSource>
+      <inkml:timestamp xml:id="ts0" timeString="2021-06-02T07:39:10.520"/>
+    </inkml:context>
+    <inkml:brush xml:id="br0">
+      <inkml:brushProperty name="width" value="0.05292" units="cm"/>
+      <inkml:brushProperty name="height" value="0.05292" units="cm"/>
+      <inkml:brushProperty name="color" value="#FF0000"/>
+    </inkml:brush>
+  </inkml:definitions>
+  <inkml:trace contextRef="#ctx0" brushRef="#br0">812 6121 0,'0'17'47,"0"54"-32,0 17 1,0 124-1,-36 52 1,19-105 0,-36 264-1,35-211-15,-17 300 16,-18-124 0,35-124-1,-34 1 1,34-106-1,0-1 1,18-17 0,-35-35-1,35-53 1,0-35 15,0 17-15,0-17-1,0 70 1,0-53 0,0-17 62,0 0-16,35-18-15,1 0-47,-1-36 16,124 19-1,17-36 1,18 17 0,0 19-1,-35 17 1,176 0 0,176-71-1,54-17 1,35 88-1,-142 0 1,-34 0 0,-248 0-16,230-53 15,-54 35 17,19 1-17,17-71 1,-53 35-1,-53 53 1,-17-18 0,-1-17-1,-34 0 1,-89-18 0,-88 35-1,-36 18 1,1 0 31,0-18-32,-18-52-15,0-54 32,17-70-17,-17 88 1,0-387-1,0-125 1,0 54 0,0 35-1,0 141 1,0 123 0,0 124-16,0-71 15,0 18 1,0 71-1,0 87 1,-17 19 0,-1-1-1,0 0 32,18 1-31,-35-18-1,0 35 32,17 0-47,-17 0 16,-36 0 0,-105 0-1,-36 0 1,-17 0-1,-36 52 1,-176 19 0,-52 17 15,246-53-31,0-17 16,-18 17-16,18-17 15,-194 88 1,88-71-1,-105-35 1,246 35 0,36-35-1,17 36 1,-35-19 0,-35 19-1,35 34 1,0-17-1,88 0 1,88-35 0,0-18 46,-34 0-46,-19 17-1,0 19 1,-52-19 0,70 1-1,-35 17 1,17-17 0,-3986-1-1,8026-17 1,-4022 36-1,18-36 1,17 17-16,1-17 94,-1 18-79,-17-18 1,-36 0 0,18 53-16,36-53 15,-19 18 1,36-1 203,0 1-204,0-1 17</inkml:trace>
+  <inkml:trace contextRef="#ctx0" brushRef="#br0" timeOffset="2084">3863 11571 0,'18'18'62,"0"-1"-62,17 19 31,-35-1-15,17-17 0,1-1-1,35 1 1,-35 0 0,-1-1-1,1-17 63,0 0-62,87-70-16,89-89 16,-17 71 15,-36-18-16,-71 88 1</inkml:trace>
+</inkml:ink>
+</file>
+
 <file path=ppt/slideLayouts/slideLayout1.xml><?xml version="1.0" encoding="utf-8"?>
 <p:sldLayout xmlns:a="http://schemas.openxmlformats.org/drawingml/2006/main" xmlns:r="http://schemas.openxmlformats.org/officeDocument/2006/relationships" xmlns:p="http://schemas.openxmlformats.org/presentationml/2006/main" type="title" preserve="1">
   <p:cSld name="Title Slide">
@@ -316,7 +345,7 @@
           <a:p>
             <a:fld id="{338821AB-F082-437E-8F73-9EDCA000C4B3}" type="datetimeFigureOut">
               <a:rPr lang="en-IN" smtClean="0"/>
-              <a:t>17-04-2021</a:t>
+              <a:t>02-06-2021</a:t>
             </a:fld>
             <a:endParaRPr lang="en-IN"/>
           </a:p>
@@ -486,7 +515,7 @@
           <a:p>
             <a:fld id="{338821AB-F082-437E-8F73-9EDCA000C4B3}" type="datetimeFigureOut">
               <a:rPr lang="en-IN" smtClean="0"/>
-              <a:t>17-04-2021</a:t>
+              <a:t>02-06-2021</a:t>
             </a:fld>
             <a:endParaRPr lang="en-IN"/>
           </a:p>
@@ -666,7 +695,7 @@
           <a:p>
             <a:fld id="{338821AB-F082-437E-8F73-9EDCA000C4B3}" type="datetimeFigureOut">
               <a:rPr lang="en-IN" smtClean="0"/>
-              <a:t>17-04-2021</a:t>
+              <a:t>02-06-2021</a:t>
             </a:fld>
             <a:endParaRPr lang="en-IN"/>
           </a:p>
@@ -836,7 +865,7 @@
           <a:p>
             <a:fld id="{338821AB-F082-437E-8F73-9EDCA000C4B3}" type="datetimeFigureOut">
               <a:rPr lang="en-IN" smtClean="0"/>
-              <a:t>17-04-2021</a:t>
+              <a:t>02-06-2021</a:t>
             </a:fld>
             <a:endParaRPr lang="en-IN"/>
           </a:p>
@@ -1082,7 +1111,7 @@
           <a:p>
             <a:fld id="{338821AB-F082-437E-8F73-9EDCA000C4B3}" type="datetimeFigureOut">
               <a:rPr lang="en-IN" smtClean="0"/>
-              <a:t>17-04-2021</a:t>
+              <a:t>02-06-2021</a:t>
             </a:fld>
             <a:endParaRPr lang="en-IN"/>
           </a:p>
@@ -1370,7 +1399,7 @@
           <a:p>
             <a:fld id="{338821AB-F082-437E-8F73-9EDCA000C4B3}" type="datetimeFigureOut">
               <a:rPr lang="en-IN" smtClean="0"/>
-              <a:t>17-04-2021</a:t>
+              <a:t>02-06-2021</a:t>
             </a:fld>
             <a:endParaRPr lang="en-IN"/>
           </a:p>
@@ -1792,7 +1821,7 @@
           <a:p>
             <a:fld id="{338821AB-F082-437E-8F73-9EDCA000C4B3}" type="datetimeFigureOut">
               <a:rPr lang="en-IN" smtClean="0"/>
-              <a:t>17-04-2021</a:t>
+              <a:t>02-06-2021</a:t>
             </a:fld>
             <a:endParaRPr lang="en-IN"/>
           </a:p>
@@ -1910,7 +1939,7 @@
           <a:p>
             <a:fld id="{338821AB-F082-437E-8F73-9EDCA000C4B3}" type="datetimeFigureOut">
               <a:rPr lang="en-IN" smtClean="0"/>
-              <a:t>17-04-2021</a:t>
+              <a:t>02-06-2021</a:t>
             </a:fld>
             <a:endParaRPr lang="en-IN"/>
           </a:p>
@@ -2005,7 +2034,7 @@
           <a:p>
             <a:fld id="{338821AB-F082-437E-8F73-9EDCA000C4B3}" type="datetimeFigureOut">
               <a:rPr lang="en-IN" smtClean="0"/>
-              <a:t>17-04-2021</a:t>
+              <a:t>02-06-2021</a:t>
             </a:fld>
             <a:endParaRPr lang="en-IN"/>
           </a:p>
@@ -2282,7 +2311,7 @@
           <a:p>
             <a:fld id="{338821AB-F082-437E-8F73-9EDCA000C4B3}" type="datetimeFigureOut">
               <a:rPr lang="en-IN" smtClean="0"/>
-              <a:t>17-04-2021</a:t>
+              <a:t>02-06-2021</a:t>
             </a:fld>
             <a:endParaRPr lang="en-IN"/>
           </a:p>
@@ -2535,7 +2564,7 @@
           <a:p>
             <a:fld id="{338821AB-F082-437E-8F73-9EDCA000C4B3}" type="datetimeFigureOut">
               <a:rPr lang="en-IN" smtClean="0"/>
-              <a:t>17-04-2021</a:t>
+              <a:t>02-06-2021</a:t>
             </a:fld>
             <a:endParaRPr lang="en-IN"/>
           </a:p>
@@ -2748,7 +2777,7 @@
           <a:p>
             <a:fld id="{338821AB-F082-437E-8F73-9EDCA000C4B3}" type="datetimeFigureOut">
               <a:rPr lang="en-IN" smtClean="0"/>
-              <a:t>17-04-2021</a:t>
+              <a:t>02-06-2021</a:t>
             </a:fld>
             <a:endParaRPr lang="en-IN"/>
           </a:p>
@@ -4039,6 +4068,57 @@
           </a:p>
         </p:txBody>
       </p:sp>
+      <mc:AlternateContent xmlns:mc="http://schemas.openxmlformats.org/markup-compatibility/2006">
+        <mc:Choice xmlns:p14="http://schemas.microsoft.com/office/powerpoint/2010/main" Requires="p14">
+          <p:contentPart p14:bwMode="auto" r:id="rId2">
+            <p14:nvContentPartPr>
+              <p14:cNvPr id="4" name="Ink 3">
+                <a:extLst>
+                  <a:ext uri="{FF2B5EF4-FFF2-40B4-BE49-F238E27FC236}">
+                    <a16:creationId xmlns:a16="http://schemas.microsoft.com/office/drawing/2014/main" id="{55DF09BB-D1F1-44B6-A561-3590EF718D8A}"/>
+                  </a:ext>
+                </a:extLst>
+              </p14:cNvPr>
+              <p14:cNvContentPartPr/>
+              <p14:nvPr/>
+            </p14:nvContentPartPr>
+            <p14:xfrm>
+              <a:off x="-984240" y="1784520"/>
+              <a:ext cx="3746880" cy="2451240"/>
+            </p14:xfrm>
+          </p:contentPart>
+        </mc:Choice>
+        <mc:Fallback>
+          <p:pic>
+            <p:nvPicPr>
+              <p:cNvPr id="4" name="Ink 3">
+                <a:extLst>
+                  <a:ext uri="{FF2B5EF4-FFF2-40B4-BE49-F238E27FC236}">
+                    <a16:creationId xmlns:a16="http://schemas.microsoft.com/office/drawing/2014/main" id="{55DF09BB-D1F1-44B6-A561-3590EF718D8A}"/>
+                  </a:ext>
+                </a:extLst>
+              </p:cNvPr>
+              <p:cNvPicPr/>
+              <p:nvPr/>
+            </p:nvPicPr>
+            <p:blipFill>
+              <a:blip r:embed="rId3"/>
+              <a:stretch>
+                <a:fillRect/>
+              </a:stretch>
+            </p:blipFill>
+            <p:spPr>
+              <a:xfrm>
+                <a:off x="-993600" y="1775160"/>
+                <a:ext cx="3765600" cy="2469960"/>
+              </a:xfrm>
+              <a:prstGeom prst="rect">
+                <a:avLst/>
+              </a:prstGeom>
+            </p:spPr>
+          </p:pic>
+        </mc:Fallback>
+      </mc:AlternateContent>
     </p:spTree>
     <p:extLst>
       <p:ext uri="{BB962C8B-B14F-4D97-AF65-F5344CB8AC3E}">
